--- a/TP2/TP2_GRUPO12.pptx
+++ b/TP2/TP2_GRUPO12.pptx
@@ -131,17 +131,25 @@
 </p:presentation>
 </file>
 
+<file path=ppt/revisionInfo.xml><?xml version="1.0" encoding="utf-8"?>
+<p1510:revInfo xmlns:a="http://schemas.openxmlformats.org/drawingml/2006/main" xmlns:r="http://schemas.openxmlformats.org/officeDocument/2006/relationships" xmlns:p1510="http://schemas.microsoft.com/office/powerpoint/2015/10/main">
+  <p1510:revLst>
+    <p1510:client id="{5B815FBC-8847-436D-937A-F1311CB2F3D1}" v="1" dt="2022-12-04T17:31:59.613"/>
+  </p1510:revLst>
+</p1510:revInfo>
+</file>
+
 <file path=ppt/changesInfos/changesInfo1.xml><?xml version="1.0" encoding="utf-8"?>
 <pc:chgInfo xmlns:a="http://schemas.openxmlformats.org/drawingml/2006/main" xmlns:r="http://schemas.openxmlformats.org/officeDocument/2006/relationships" xmlns:ac="http://schemas.microsoft.com/office/drawing/2013/main/command" xmlns:pc="http://schemas.microsoft.com/office/powerpoint/2013/main/command">
   <pc:docChgLst>
     <pc:chgData name="Moises Pirela" userId="a07275d2963e6567" providerId="LiveId" clId="{5B815FBC-8847-436D-937A-F1311CB2F3D1}"/>
     <pc:docChg chg="undo custSel addSld delSld modSld sldOrd">
-      <pc:chgData name="Moises Pirela" userId="a07275d2963e6567" providerId="LiveId" clId="{5B815FBC-8847-436D-937A-F1311CB2F3D1}" dt="2022-12-04T17:23:31.047" v="527" actId="20577"/>
+      <pc:chgData name="Moises Pirela" userId="a07275d2963e6567" providerId="LiveId" clId="{5B815FBC-8847-436D-937A-F1311CB2F3D1}" dt="2022-12-04T17:32:50.064" v="582" actId="20577"/>
       <pc:docMkLst>
         <pc:docMk/>
       </pc:docMkLst>
       <pc:sldChg chg="modSp mod ord">
-        <pc:chgData name="Moises Pirela" userId="a07275d2963e6567" providerId="LiveId" clId="{5B815FBC-8847-436D-937A-F1311CB2F3D1}" dt="2022-12-04T15:36:13.716" v="8"/>
+        <pc:chgData name="Moises Pirela" userId="a07275d2963e6567" providerId="LiveId" clId="{5B815FBC-8847-436D-937A-F1311CB2F3D1}" dt="2022-12-04T17:32:50.064" v="582" actId="20577"/>
         <pc:sldMkLst>
           <pc:docMk/>
           <pc:sldMk cId="3394526084" sldId="256"/>
@@ -152,6 +160,14 @@
             <pc:docMk/>
             <pc:sldMk cId="3394526084" sldId="256"/>
             <ac:spMk id="2" creationId="{127BB8A0-8514-D4F1-DD11-0C2BB0D0D0BC}"/>
+          </ac:spMkLst>
+        </pc:spChg>
+        <pc:spChg chg="mod">
+          <ac:chgData name="Moises Pirela" userId="a07275d2963e6567" providerId="LiveId" clId="{5B815FBC-8847-436D-937A-F1311CB2F3D1}" dt="2022-12-04T17:32:50.064" v="582" actId="20577"/>
+          <ac:spMkLst>
+            <pc:docMk/>
+            <pc:sldMk cId="3394526084" sldId="256"/>
+            <ac:spMk id="3" creationId="{B5B17A00-461D-D84A-A70A-7BC65F547B71}"/>
           </ac:spMkLst>
         </pc:spChg>
         <pc:spChg chg="mod">
@@ -185,18 +201,34 @@
           <pc:sldMk cId="187826721" sldId="279"/>
         </pc:sldMkLst>
       </pc:sldChg>
-      <pc:sldChg chg="modSp new mod">
-        <pc:chgData name="Moises Pirela" userId="a07275d2963e6567" providerId="LiveId" clId="{5B815FBC-8847-436D-937A-F1311CB2F3D1}" dt="2022-12-04T17:23:31.047" v="527" actId="20577"/>
+      <pc:sldChg chg="addSp modSp new mod">
+        <pc:chgData name="Moises Pirela" userId="a07275d2963e6567" providerId="LiveId" clId="{5B815FBC-8847-436D-937A-F1311CB2F3D1}" dt="2022-12-04T17:32:10.936" v="576" actId="20577"/>
         <pc:sldMkLst>
           <pc:docMk/>
           <pc:sldMk cId="2630255399" sldId="279"/>
         </pc:sldMkLst>
         <pc:spChg chg="mod">
-          <ac:chgData name="Moises Pirela" userId="a07275d2963e6567" providerId="LiveId" clId="{5B815FBC-8847-436D-937A-F1311CB2F3D1}" dt="2022-12-04T17:23:31.047" v="527" actId="20577"/>
+          <ac:chgData name="Moises Pirela" userId="a07275d2963e6567" providerId="LiveId" clId="{5B815FBC-8847-436D-937A-F1311CB2F3D1}" dt="2022-12-04T17:32:10.936" v="576" actId="20577"/>
           <ac:spMkLst>
             <pc:docMk/>
             <pc:sldMk cId="2630255399" sldId="279"/>
             <ac:spMk id="3" creationId="{E2A28F13-EDD0-7E47-9359-735C4EB25235}"/>
+          </ac:spMkLst>
+        </pc:spChg>
+        <pc:spChg chg="add">
+          <ac:chgData name="Moises Pirela" userId="a07275d2963e6567" providerId="LiveId" clId="{5B815FBC-8847-436D-937A-F1311CB2F3D1}" dt="2022-12-04T17:31:54.584" v="554" actId="11529"/>
+          <ac:spMkLst>
+            <pc:docMk/>
+            <pc:sldMk cId="2630255399" sldId="279"/>
+            <ac:spMk id="4" creationId="{B9B051D8-13B9-9519-DD06-90166B11A962}"/>
+          </ac:spMkLst>
+        </pc:spChg>
+        <pc:spChg chg="add mod">
+          <ac:chgData name="Moises Pirela" userId="a07275d2963e6567" providerId="LiveId" clId="{5B815FBC-8847-436D-937A-F1311CB2F3D1}" dt="2022-12-04T17:32:06.445" v="564" actId="1076"/>
+          <ac:spMkLst>
+            <pc:docMk/>
+            <pc:sldMk cId="2630255399" sldId="279"/>
+            <ac:spMk id="5" creationId="{B4078752-C8AB-D2FC-38B7-6B0A3E186E39}"/>
           </ac:spMkLst>
         </pc:spChg>
       </pc:sldChg>
@@ -8639,18 +8671,17 @@
               <a:t>DataFrame</a:t>
             </a:r>
             <a:r>
-              <a:rPr lang="es-AR"/>
-              <a:t>. </a:t>
-            </a:r>
+              <a:rPr lang="es-AR" dirty="0"/>
+              <a:t>. William</a:t>
+            </a:r>
+          </a:p>
+          <a:p>
             <a:endParaRPr lang="es-AR" dirty="0"/>
           </a:p>
           <a:p>
-            <a:endParaRPr lang="es-AR" dirty="0"/>
-          </a:p>
-          <a:p>
             <a:r>
               <a:rPr lang="es-AR" dirty="0"/>
-              <a:t>Regresión Lineal. (Con datos de Capital Federal) </a:t>
+              <a:t>Regresión Lineal. (Con datos de Capital Federal) Moises</a:t>
             </a:r>
           </a:p>
           <a:p>
@@ -8700,7 +8731,7 @@
             <a:pPr marL="285750" lvl="3" indent="-285750"/>
             <a:r>
               <a:rPr lang="es-AR" sz="2800" dirty="0"/>
-              <a:t>Regularización. Buscó mejorar el R2 de store que fue el menor valor que obtuvo.</a:t>
+              <a:t>Regularización. Buscó mejorar el R2 de store que fue el menor valor que obtuvo. Carlos</a:t>
             </a:r>
           </a:p>
           <a:p>
@@ -8715,6 +8746,85 @@
             <a:r>
               <a:rPr lang="es-AR" sz="2400" dirty="0"/>
               <a:t>Lasso.</a:t>
+            </a:r>
+          </a:p>
+        </p:txBody>
+      </p:sp>
+      <p:sp>
+        <p:nvSpPr>
+          <p:cNvPr id="4" name="Cerrar llave 3">
+            <a:extLst>
+              <a:ext uri="{FF2B5EF4-FFF2-40B4-BE49-F238E27FC236}">
+                <a16:creationId xmlns:a16="http://schemas.microsoft.com/office/drawing/2014/main" id="{B9B051D8-13B9-9519-DD06-90166B11A962}"/>
+              </a:ext>
+            </a:extLst>
+          </p:cNvPr>
+          <p:cNvSpPr/>
+          <p:nvPr/>
+        </p:nvSpPr>
+        <p:spPr>
+          <a:xfrm>
+            <a:off x="4046706" y="3813243"/>
+            <a:ext cx="330741" cy="914400"/>
+          </a:xfrm>
+          <a:prstGeom prst="rightBrace">
+            <a:avLst/>
+          </a:prstGeom>
+        </p:spPr>
+        <p:style>
+          <a:lnRef idx="1">
+            <a:schemeClr val="accent1"/>
+          </a:lnRef>
+          <a:fillRef idx="0">
+            <a:schemeClr val="accent1"/>
+          </a:fillRef>
+          <a:effectRef idx="0">
+            <a:schemeClr val="accent1"/>
+          </a:effectRef>
+          <a:fontRef idx="minor">
+            <a:schemeClr val="tx1"/>
+          </a:fontRef>
+        </p:style>
+        <p:txBody>
+          <a:bodyPr rtlCol="0" anchor="ctr"/>
+          <a:lstStyle/>
+          <a:p>
+            <a:pPr algn="ctr"/>
+            <a:endParaRPr lang="es-AR"/>
+          </a:p>
+        </p:txBody>
+      </p:sp>
+      <p:sp>
+        <p:nvSpPr>
+          <p:cNvPr id="5" name="CuadroTexto 4">
+            <a:extLst>
+              <a:ext uri="{FF2B5EF4-FFF2-40B4-BE49-F238E27FC236}">
+                <a16:creationId xmlns:a16="http://schemas.microsoft.com/office/drawing/2014/main" id="{B4078752-C8AB-D2FC-38B7-6B0A3E186E39}"/>
+              </a:ext>
+            </a:extLst>
+          </p:cNvPr>
+          <p:cNvSpPr txBox="1"/>
+          <p:nvPr/>
+        </p:nvSpPr>
+        <p:spPr>
+          <a:xfrm>
+            <a:off x="4513635" y="4057219"/>
+            <a:ext cx="990464" cy="369332"/>
+          </a:xfrm>
+          <a:prstGeom prst="rect">
+            <a:avLst/>
+          </a:prstGeom>
+          <a:noFill/>
+        </p:spPr>
+        <p:txBody>
+          <a:bodyPr wrap="none" rtlCol="0">
+            <a:spAutoFit/>
+          </a:bodyPr>
+          <a:lstStyle/>
+          <a:p>
+            <a:r>
+              <a:rPr lang="es-AR" dirty="0"/>
+              <a:t>Santiago</a:t>
             </a:r>
           </a:p>
         </p:txBody>
